--- a/Presentaion.pptx
+++ b/Presentaion.pptx
@@ -10,12 +10,15 @@
     <p:sldId id="258" r:id="rId4"/>
     <p:sldId id="259" r:id="rId5"/>
     <p:sldId id="260" r:id="rId6"/>
-    <p:sldId id="261" r:id="rId7"/>
-    <p:sldId id="262" r:id="rId8"/>
-    <p:sldId id="263" r:id="rId9"/>
-    <p:sldId id="264" r:id="rId10"/>
-    <p:sldId id="265" r:id="rId11"/>
-    <p:sldId id="266" r:id="rId12"/>
+    <p:sldId id="267" r:id="rId7"/>
+    <p:sldId id="268" r:id="rId8"/>
+    <p:sldId id="269" r:id="rId9"/>
+    <p:sldId id="261" r:id="rId10"/>
+    <p:sldId id="262" r:id="rId11"/>
+    <p:sldId id="263" r:id="rId12"/>
+    <p:sldId id="264" r:id="rId13"/>
+    <p:sldId id="265" r:id="rId14"/>
+    <p:sldId id="266" r:id="rId15"/>
   </p:sldIdLst>
   <p:sldSz cx="12192000" cy="6858000"/>
   <p:notesSz cx="6858000" cy="9144000"/>
@@ -5887,7 +5890,7 @@
           <p:cNvPr id="2" name="Title 1">
             <a:extLst>
               <a:ext uri="{FF2B5EF4-FFF2-40B4-BE49-F238E27FC236}">
-                <a16:creationId xmlns:a16="http://schemas.microsoft.com/office/drawing/2014/main" xmlns="" id="{62BC2CA7-2763-4224-8699-0FA1A0F904A2}"/>
+                <a16:creationId xmlns="" xmlns:a16="http://schemas.microsoft.com/office/drawing/2014/main" id="{62BC2CA7-2763-4224-8699-0FA1A0F904A2}"/>
               </a:ext>
             </a:extLst>
           </p:cNvPr>
@@ -5915,7 +5918,7 @@
           <p:cNvPr id="3" name="Subtitle 2">
             <a:extLst>
               <a:ext uri="{FF2B5EF4-FFF2-40B4-BE49-F238E27FC236}">
-                <a16:creationId xmlns:a16="http://schemas.microsoft.com/office/drawing/2014/main" xmlns="" id="{14FEB120-DAD8-4B8F-A8F4-5757AB20F3A3}"/>
+                <a16:creationId xmlns="" xmlns:a16="http://schemas.microsoft.com/office/drawing/2014/main" id="{14FEB120-DAD8-4B8F-A8F4-5757AB20F3A3}"/>
               </a:ext>
             </a:extLst>
           </p:cNvPr>
@@ -5982,94 +5985,40 @@
           <a:chExt cx="0" cy="0"/>
         </a:xfrm>
       </p:grpSpPr>
-      <p:sp>
-        <p:nvSpPr>
-          <p:cNvPr id="2" name="Title 1">
+      <p:pic>
+        <p:nvPicPr>
+          <p:cNvPr id="3" name="Picture 2">
             <a:extLst>
               <a:ext uri="{FF2B5EF4-FFF2-40B4-BE49-F238E27FC236}">
-                <a16:creationId xmlns:a16="http://schemas.microsoft.com/office/drawing/2014/main" xmlns="" id="{C241AC24-D202-4610-B65A-721642D60841}"/>
+                <a16:creationId xmlns="" xmlns:a16="http://schemas.microsoft.com/office/drawing/2014/main" id="{8EA62B22-E898-498B-AD29-C988042739C7}"/>
               </a:ext>
             </a:extLst>
           </p:cNvPr>
-          <p:cNvSpPr>
-            <a:spLocks noGrp="1"/>
-          </p:cNvSpPr>
-          <p:nvPr>
-            <p:ph type="title"/>
-          </p:nvPr>
-        </p:nvSpPr>
-        <p:spPr/>
-        <p:txBody>
-          <a:bodyPr/>
-          <a:lstStyle/>
-          <a:p>
-            <a:r>
-              <a:rPr lang="en-IN" dirty="0"/>
-              <a:t>Scope for Improvement</a:t>
-            </a:r>
-          </a:p>
-        </p:txBody>
-      </p:sp>
-      <p:sp>
-        <p:nvSpPr>
-          <p:cNvPr id="3" name="Content Placeholder 2">
-            <a:extLst>
-              <a:ext uri="{FF2B5EF4-FFF2-40B4-BE49-F238E27FC236}">
-                <a16:creationId xmlns:a16="http://schemas.microsoft.com/office/drawing/2014/main" xmlns="" id="{06754633-9D83-4B4A-8942-1D0F1F8377B4}"/>
-              </a:ext>
-            </a:extLst>
-          </p:cNvPr>
-          <p:cNvSpPr>
-            <a:spLocks noGrp="1"/>
-          </p:cNvSpPr>
-          <p:nvPr>
-            <p:ph idx="1"/>
-          </p:nvPr>
-        </p:nvSpPr>
-        <p:spPr/>
-        <p:txBody>
-          <a:bodyPr>
-            <a:normAutofit lnSpcReduction="10000"/>
-          </a:bodyPr>
-          <a:lstStyle/>
-          <a:p>
-            <a:r>
-              <a:rPr lang="en-IN" dirty="0"/>
-              <a:t>Exception cases:</a:t>
-            </a:r>
-          </a:p>
-          <a:p>
-            <a:pPr lvl="1"/>
-            <a:r>
-              <a:rPr lang="en-IN" dirty="0"/>
-              <a:t>More than one domains with multiple sentiments in one sentence.</a:t>
-            </a:r>
-          </a:p>
-          <a:p>
-            <a:pPr lvl="1"/>
-            <a:r>
-              <a:rPr lang="en-IN" dirty="0"/>
-              <a:t>Domain noun mentioned in one sentence and sentiment mentioned in the next.</a:t>
-            </a:r>
-          </a:p>
-          <a:p>
-            <a:r>
-              <a:rPr lang="en-IN" dirty="0"/>
-              <a:t>Removal of irrelevant sentences from consideration: We may use the subjectivity score for the same (assuming more subjectivity means more relevance)</a:t>
-            </a:r>
-          </a:p>
-          <a:p>
-            <a:r>
-              <a:rPr lang="en-IN" dirty="0"/>
-              <a:t>The program can be scaled up (using more of the available data) and used for comparative analysis in smaller regions (than states)</a:t>
-            </a:r>
-          </a:p>
-        </p:txBody>
-      </p:sp>
+          <p:cNvPicPr>
+            <a:picLocks noChangeAspect="1"/>
+          </p:cNvPicPr>
+          <p:nvPr/>
+        </p:nvPicPr>
+        <p:blipFill>
+          <a:blip r:embed="rId2"/>
+          <a:stretch>
+            <a:fillRect/>
+          </a:stretch>
+        </p:blipFill>
+        <p:spPr>
+          <a:xfrm>
+            <a:off x="1061694" y="911847"/>
+            <a:ext cx="10068612" cy="5034306"/>
+          </a:xfrm>
+          <a:prstGeom prst="rect">
+            <a:avLst/>
+          </a:prstGeom>
+        </p:spPr>
+      </p:pic>
     </p:spTree>
     <p:extLst>
       <p:ext uri="{BB962C8B-B14F-4D97-AF65-F5344CB8AC3E}">
-        <p14:creationId xmlns:p14="http://schemas.microsoft.com/office/powerpoint/2010/main" val="2094027578"/>
+        <p14:creationId xmlns:p14="http://schemas.microsoft.com/office/powerpoint/2010/main" val="3286443974"/>
       </p:ext>
     </p:extLst>
   </p:cSld>
@@ -6096,12 +6045,280 @@
           <a:chExt cx="0" cy="0"/>
         </a:xfrm>
       </p:grpSpPr>
+      <p:pic>
+        <p:nvPicPr>
+          <p:cNvPr id="2" name="Picture 1">
+            <a:extLst>
+              <a:ext uri="{FF2B5EF4-FFF2-40B4-BE49-F238E27FC236}">
+                <a16:creationId xmlns="" xmlns:a16="http://schemas.microsoft.com/office/drawing/2014/main" id="{086546C8-FFDB-48F8-9962-1AFDA49BEABF}"/>
+              </a:ext>
+            </a:extLst>
+          </p:cNvPr>
+          <p:cNvPicPr>
+            <a:picLocks noChangeAspect="1"/>
+          </p:cNvPicPr>
+          <p:nvPr/>
+        </p:nvPicPr>
+        <p:blipFill>
+          <a:blip r:embed="rId2"/>
+          <a:stretch>
+            <a:fillRect/>
+          </a:stretch>
+        </p:blipFill>
+        <p:spPr>
+          <a:xfrm>
+            <a:off x="961632" y="2891132"/>
+            <a:ext cx="10268736" cy="2534351"/>
+          </a:xfrm>
+          <a:prstGeom prst="rect">
+            <a:avLst/>
+          </a:prstGeom>
+        </p:spPr>
+      </p:pic>
+      <p:sp>
+        <p:nvSpPr>
+          <p:cNvPr id="3" name="TextBox 2">
+            <a:extLst>
+              <a:ext uri="{FF2B5EF4-FFF2-40B4-BE49-F238E27FC236}">
+                <a16:creationId xmlns="" xmlns:a16="http://schemas.microsoft.com/office/drawing/2014/main" id="{A11B73FC-1408-47E7-9D37-D26D52FDC673}"/>
+              </a:ext>
+            </a:extLst>
+          </p:cNvPr>
+          <p:cNvSpPr txBox="1"/>
+          <p:nvPr/>
+        </p:nvSpPr>
+        <p:spPr>
+          <a:xfrm>
+            <a:off x="3696879" y="1135928"/>
+            <a:ext cx="4798242" cy="954107"/>
+          </a:xfrm>
+          <a:prstGeom prst="rect">
+            <a:avLst/>
+          </a:prstGeom>
+          <a:noFill/>
+        </p:spPr>
+        <p:txBody>
+          <a:bodyPr wrap="square" rtlCol="0">
+            <a:spAutoFit/>
+          </a:bodyPr>
+          <a:lstStyle/>
+          <a:p>
+            <a:pPr algn="ctr"/>
+            <a:r>
+              <a:rPr lang="en-IN" sz="2800" b="1" dirty="0"/>
+              <a:t>Easy to view and understand competitor scores</a:t>
+            </a:r>
+          </a:p>
+        </p:txBody>
+      </p:sp>
+    </p:spTree>
+    <p:extLst>
+      <p:ext uri="{BB962C8B-B14F-4D97-AF65-F5344CB8AC3E}">
+        <p14:creationId xmlns:p14="http://schemas.microsoft.com/office/powerpoint/2010/main" val="4230991742"/>
+      </p:ext>
+    </p:extLst>
+  </p:cSld>
+  <p:clrMapOvr>
+    <a:masterClrMapping/>
+  </p:clrMapOvr>
+</p:sld>
+</file>
+
+<file path=ppt/slides/slide12.xml><?xml version="1.0" encoding="utf-8"?>
+<p:sld xmlns:a="http://schemas.openxmlformats.org/drawingml/2006/main" xmlns:r="http://schemas.openxmlformats.org/officeDocument/2006/relationships" xmlns:p="http://schemas.openxmlformats.org/presentationml/2006/main">
+  <p:cSld>
+    <p:spTree>
+      <p:nvGrpSpPr>
+        <p:cNvPr id="1" name=""/>
+        <p:cNvGrpSpPr/>
+        <p:nvPr/>
+      </p:nvGrpSpPr>
+      <p:grpSpPr>
+        <a:xfrm>
+          <a:off x="0" y="0"/>
+          <a:ext cx="0" cy="0"/>
+          <a:chOff x="0" y="0"/>
+          <a:chExt cx="0" cy="0"/>
+        </a:xfrm>
+      </p:grpSpPr>
       <p:sp>
         <p:nvSpPr>
           <p:cNvPr id="2" name="Title 1">
             <a:extLst>
               <a:ext uri="{FF2B5EF4-FFF2-40B4-BE49-F238E27FC236}">
-                <a16:creationId xmlns:a16="http://schemas.microsoft.com/office/drawing/2014/main" xmlns="" id="{C01A1FF1-A55B-49B8-9A33-2BED14E40F48}"/>
+                <a16:creationId xmlns="" xmlns:a16="http://schemas.microsoft.com/office/drawing/2014/main" id="{664B87FB-2A48-4641-8278-401F41A884AE}"/>
+              </a:ext>
+            </a:extLst>
+          </p:cNvPr>
+          <p:cNvSpPr>
+            <a:spLocks noGrp="1"/>
+          </p:cNvSpPr>
+          <p:nvPr>
+            <p:ph type="ctrTitle"/>
+          </p:nvPr>
+        </p:nvSpPr>
+        <p:spPr/>
+        <p:txBody>
+          <a:bodyPr/>
+          <a:lstStyle/>
+          <a:p>
+            <a:r>
+              <a:rPr lang="en-IN" dirty="0"/>
+              <a:t>Future Scope</a:t>
+            </a:r>
+          </a:p>
+        </p:txBody>
+      </p:sp>
+    </p:spTree>
+    <p:extLst>
+      <p:ext uri="{BB962C8B-B14F-4D97-AF65-F5344CB8AC3E}">
+        <p14:creationId xmlns:p14="http://schemas.microsoft.com/office/powerpoint/2010/main" val="4076715106"/>
+      </p:ext>
+    </p:extLst>
+  </p:cSld>
+  <p:clrMapOvr>
+    <a:masterClrMapping/>
+  </p:clrMapOvr>
+</p:sld>
+</file>
+
+<file path=ppt/slides/slide13.xml><?xml version="1.0" encoding="utf-8"?>
+<p:sld xmlns:a="http://schemas.openxmlformats.org/drawingml/2006/main" xmlns:r="http://schemas.openxmlformats.org/officeDocument/2006/relationships" xmlns:p="http://schemas.openxmlformats.org/presentationml/2006/main">
+  <p:cSld>
+    <p:spTree>
+      <p:nvGrpSpPr>
+        <p:cNvPr id="1" name=""/>
+        <p:cNvGrpSpPr/>
+        <p:nvPr/>
+      </p:nvGrpSpPr>
+      <p:grpSpPr>
+        <a:xfrm>
+          <a:off x="0" y="0"/>
+          <a:ext cx="0" cy="0"/>
+          <a:chOff x="0" y="0"/>
+          <a:chExt cx="0" cy="0"/>
+        </a:xfrm>
+      </p:grpSpPr>
+      <p:sp>
+        <p:nvSpPr>
+          <p:cNvPr id="2" name="Title 1">
+            <a:extLst>
+              <a:ext uri="{FF2B5EF4-FFF2-40B4-BE49-F238E27FC236}">
+                <a16:creationId xmlns="" xmlns:a16="http://schemas.microsoft.com/office/drawing/2014/main" id="{C241AC24-D202-4610-B65A-721642D60841}"/>
+              </a:ext>
+            </a:extLst>
+          </p:cNvPr>
+          <p:cNvSpPr>
+            <a:spLocks noGrp="1"/>
+          </p:cNvSpPr>
+          <p:nvPr>
+            <p:ph type="title"/>
+          </p:nvPr>
+        </p:nvSpPr>
+        <p:spPr/>
+        <p:txBody>
+          <a:bodyPr/>
+          <a:lstStyle/>
+          <a:p>
+            <a:r>
+              <a:rPr lang="en-IN" dirty="0"/>
+              <a:t>Scope for Improvement</a:t>
+            </a:r>
+          </a:p>
+        </p:txBody>
+      </p:sp>
+      <p:sp>
+        <p:nvSpPr>
+          <p:cNvPr id="3" name="Content Placeholder 2">
+            <a:extLst>
+              <a:ext uri="{FF2B5EF4-FFF2-40B4-BE49-F238E27FC236}">
+                <a16:creationId xmlns="" xmlns:a16="http://schemas.microsoft.com/office/drawing/2014/main" id="{06754633-9D83-4B4A-8942-1D0F1F8377B4}"/>
+              </a:ext>
+            </a:extLst>
+          </p:cNvPr>
+          <p:cNvSpPr>
+            <a:spLocks noGrp="1"/>
+          </p:cNvSpPr>
+          <p:nvPr>
+            <p:ph idx="1"/>
+          </p:nvPr>
+        </p:nvSpPr>
+        <p:spPr/>
+        <p:txBody>
+          <a:bodyPr>
+            <a:normAutofit lnSpcReduction="10000"/>
+          </a:bodyPr>
+          <a:lstStyle/>
+          <a:p>
+            <a:r>
+              <a:rPr lang="en-IN" dirty="0"/>
+              <a:t>Exception cases:</a:t>
+            </a:r>
+          </a:p>
+          <a:p>
+            <a:pPr lvl="1"/>
+            <a:r>
+              <a:rPr lang="en-IN" dirty="0"/>
+              <a:t>More than one domains with multiple sentiments in one sentence.</a:t>
+            </a:r>
+          </a:p>
+          <a:p>
+            <a:pPr lvl="1"/>
+            <a:r>
+              <a:rPr lang="en-IN" dirty="0"/>
+              <a:t>Domain noun mentioned in one sentence and sentiment mentioned in the next.</a:t>
+            </a:r>
+          </a:p>
+          <a:p>
+            <a:r>
+              <a:rPr lang="en-IN" dirty="0"/>
+              <a:t>Removal of irrelevant sentences from consideration: We may use the subjectivity score for the same (assuming more subjectivity means more relevance)</a:t>
+            </a:r>
+          </a:p>
+          <a:p>
+            <a:r>
+              <a:rPr lang="en-IN" dirty="0"/>
+              <a:t>The program can be scaled up (using more of the available data) and used for comparative analysis in smaller regions (than states)</a:t>
+            </a:r>
+          </a:p>
+        </p:txBody>
+      </p:sp>
+    </p:spTree>
+    <p:extLst>
+      <p:ext uri="{BB962C8B-B14F-4D97-AF65-F5344CB8AC3E}">
+        <p14:creationId xmlns:p14="http://schemas.microsoft.com/office/powerpoint/2010/main" val="2094027578"/>
+      </p:ext>
+    </p:extLst>
+  </p:cSld>
+  <p:clrMapOvr>
+    <a:masterClrMapping/>
+  </p:clrMapOvr>
+</p:sld>
+</file>
+
+<file path=ppt/slides/slide14.xml><?xml version="1.0" encoding="utf-8"?>
+<p:sld xmlns:a="http://schemas.openxmlformats.org/drawingml/2006/main" xmlns:r="http://schemas.openxmlformats.org/officeDocument/2006/relationships" xmlns:p="http://schemas.openxmlformats.org/presentationml/2006/main">
+  <p:cSld>
+    <p:spTree>
+      <p:nvGrpSpPr>
+        <p:cNvPr id="1" name=""/>
+        <p:cNvGrpSpPr/>
+        <p:nvPr/>
+      </p:nvGrpSpPr>
+      <p:grpSpPr>
+        <a:xfrm>
+          <a:off x="0" y="0"/>
+          <a:ext cx="0" cy="0"/>
+          <a:chOff x="0" y="0"/>
+          <a:chExt cx="0" cy="0"/>
+        </a:xfrm>
+      </p:grpSpPr>
+      <p:sp>
+        <p:nvSpPr>
+          <p:cNvPr id="2" name="Title 1">
+            <a:extLst>
+              <a:ext uri="{FF2B5EF4-FFF2-40B4-BE49-F238E27FC236}">
+                <a16:creationId xmlns="" xmlns:a16="http://schemas.microsoft.com/office/drawing/2014/main" id="{C01A1FF1-A55B-49B8-9A33-2BED14E40F48}"/>
               </a:ext>
             </a:extLst>
           </p:cNvPr>
@@ -6159,7 +6376,7 @@
           <p:cNvPr id="2" name="Title 1">
             <a:extLst>
               <a:ext uri="{FF2B5EF4-FFF2-40B4-BE49-F238E27FC236}">
-                <a16:creationId xmlns:a16="http://schemas.microsoft.com/office/drawing/2014/main" xmlns="" id="{30B03D7D-6887-4815-AD9C-5222F511AC62}"/>
+                <a16:creationId xmlns="" xmlns:a16="http://schemas.microsoft.com/office/drawing/2014/main" id="{30B03D7D-6887-4815-AD9C-5222F511AC62}"/>
               </a:ext>
             </a:extLst>
           </p:cNvPr>
@@ -6187,7 +6404,7 @@
           <p:cNvPr id="3" name="Content Placeholder 2">
             <a:extLst>
               <a:ext uri="{FF2B5EF4-FFF2-40B4-BE49-F238E27FC236}">
-                <a16:creationId xmlns:a16="http://schemas.microsoft.com/office/drawing/2014/main" xmlns="" id="{920F2920-0E4F-49CC-9EB4-25DE06BFD85B}"/>
+                <a16:creationId xmlns="" xmlns:a16="http://schemas.microsoft.com/office/drawing/2014/main" id="{920F2920-0E4F-49CC-9EB4-25DE06BFD85B}"/>
               </a:ext>
             </a:extLst>
           </p:cNvPr>
@@ -6254,7 +6471,7 @@
           <p:cNvPr id="2" name="Title 1">
             <a:extLst>
               <a:ext uri="{FF2B5EF4-FFF2-40B4-BE49-F238E27FC236}">
-                <a16:creationId xmlns:a16="http://schemas.microsoft.com/office/drawing/2014/main" xmlns="" id="{8C6CD4F1-396F-410E-B113-FDAF8143240B}"/>
+                <a16:creationId xmlns="" xmlns:a16="http://schemas.microsoft.com/office/drawing/2014/main" id="{8C6CD4F1-396F-410E-B113-FDAF8143240B}"/>
               </a:ext>
             </a:extLst>
           </p:cNvPr>
@@ -6282,7 +6499,7 @@
           <p:cNvPr id="3" name="Content Placeholder 2">
             <a:extLst>
               <a:ext uri="{FF2B5EF4-FFF2-40B4-BE49-F238E27FC236}">
-                <a16:creationId xmlns:a16="http://schemas.microsoft.com/office/drawing/2014/main" xmlns="" id="{90B202BD-1063-40EF-9CC3-64F880D2A9A5}"/>
+                <a16:creationId xmlns="" xmlns:a16="http://schemas.microsoft.com/office/drawing/2014/main" id="{90B202BD-1063-40EF-9CC3-64F880D2A9A5}"/>
               </a:ext>
             </a:extLst>
           </p:cNvPr>
@@ -6379,7 +6596,7 @@
           <p:cNvPr id="2" name="Title 1">
             <a:extLst>
               <a:ext uri="{FF2B5EF4-FFF2-40B4-BE49-F238E27FC236}">
-                <a16:creationId xmlns:a16="http://schemas.microsoft.com/office/drawing/2014/main" xmlns="" id="{58BDE6AD-6F7B-49BA-B703-B56306538A40}"/>
+                <a16:creationId xmlns="" xmlns:a16="http://schemas.microsoft.com/office/drawing/2014/main" id="{58BDE6AD-6F7B-49BA-B703-B56306538A40}"/>
               </a:ext>
             </a:extLst>
           </p:cNvPr>
@@ -6407,7 +6624,7 @@
           <p:cNvPr id="3" name="Subtitle 2">
             <a:extLst>
               <a:ext uri="{FF2B5EF4-FFF2-40B4-BE49-F238E27FC236}">
-                <a16:creationId xmlns:a16="http://schemas.microsoft.com/office/drawing/2014/main" xmlns="" id="{8FDF444D-0EA9-4D62-AD76-E2820FFCB8F7}"/>
+                <a16:creationId xmlns="" xmlns:a16="http://schemas.microsoft.com/office/drawing/2014/main" id="{8FDF444D-0EA9-4D62-AD76-E2820FFCB8F7}"/>
               </a:ext>
             </a:extLst>
           </p:cNvPr>
@@ -6465,7 +6682,7 @@
           <p:cNvPr id="2" name="TextBox 1">
             <a:extLst>
               <a:ext uri="{FF2B5EF4-FFF2-40B4-BE49-F238E27FC236}">
-                <a16:creationId xmlns:a16="http://schemas.microsoft.com/office/drawing/2014/main" xmlns="" id="{1BA43B24-8863-459A-9B1B-1D1C55CD7E96}"/>
+                <a16:creationId xmlns="" xmlns:a16="http://schemas.microsoft.com/office/drawing/2014/main" id="{1BA43B24-8863-459A-9B1B-1D1C55CD7E96}"/>
               </a:ext>
             </a:extLst>
           </p:cNvPr>
@@ -6506,7 +6723,7 @@
           <p:cNvPr id="3" name="TextBox 2">
             <a:extLst>
               <a:ext uri="{FF2B5EF4-FFF2-40B4-BE49-F238E27FC236}">
-                <a16:creationId xmlns:a16="http://schemas.microsoft.com/office/drawing/2014/main" xmlns="" id="{0AF4FACA-D21C-490C-8453-A1C2E026AEA4}"/>
+                <a16:creationId xmlns="" xmlns:a16="http://schemas.microsoft.com/office/drawing/2014/main" id="{0AF4FACA-D21C-490C-8453-A1C2E026AEA4}"/>
               </a:ext>
             </a:extLst>
           </p:cNvPr>
@@ -6547,7 +6764,7 @@
           <p:cNvPr id="4" name="TextBox 3">
             <a:extLst>
               <a:ext uri="{FF2B5EF4-FFF2-40B4-BE49-F238E27FC236}">
-                <a16:creationId xmlns:a16="http://schemas.microsoft.com/office/drawing/2014/main" xmlns="" id="{6442323E-2951-48CB-8C69-3769F3F8D86B}"/>
+                <a16:creationId xmlns="" xmlns:a16="http://schemas.microsoft.com/office/drawing/2014/main" id="{6442323E-2951-48CB-8C69-3769F3F8D86B}"/>
               </a:ext>
             </a:extLst>
           </p:cNvPr>
@@ -6588,7 +6805,7 @@
           <p:cNvPr id="5" name="TextBox 4">
             <a:extLst>
               <a:ext uri="{FF2B5EF4-FFF2-40B4-BE49-F238E27FC236}">
-                <a16:creationId xmlns:a16="http://schemas.microsoft.com/office/drawing/2014/main" xmlns="" id="{CF6ADBA8-3C3F-48C8-BE5E-2525379B317F}"/>
+                <a16:creationId xmlns="" xmlns:a16="http://schemas.microsoft.com/office/drawing/2014/main" id="{CF6ADBA8-3C3F-48C8-BE5E-2525379B317F}"/>
               </a:ext>
             </a:extLst>
           </p:cNvPr>
@@ -6629,7 +6846,7 @@
           <p:cNvPr id="6" name="TextBox 5">
             <a:extLst>
               <a:ext uri="{FF2B5EF4-FFF2-40B4-BE49-F238E27FC236}">
-                <a16:creationId xmlns:a16="http://schemas.microsoft.com/office/drawing/2014/main" xmlns="" id="{9EF38F1E-36D7-4CE8-BF85-40DBB3E22D5B}"/>
+                <a16:creationId xmlns="" xmlns:a16="http://schemas.microsoft.com/office/drawing/2014/main" id="{9EF38F1E-36D7-4CE8-BF85-40DBB3E22D5B}"/>
               </a:ext>
             </a:extLst>
           </p:cNvPr>
@@ -6670,7 +6887,7 @@
           <p:cNvPr id="7" name="TextBox 6">
             <a:extLst>
               <a:ext uri="{FF2B5EF4-FFF2-40B4-BE49-F238E27FC236}">
-                <a16:creationId xmlns:a16="http://schemas.microsoft.com/office/drawing/2014/main" xmlns="" id="{FA777837-5865-4669-9EA5-D4CA45B77162}"/>
+                <a16:creationId xmlns="" xmlns:a16="http://schemas.microsoft.com/office/drawing/2014/main" id="{FA777837-5865-4669-9EA5-D4CA45B77162}"/>
               </a:ext>
             </a:extLst>
           </p:cNvPr>
@@ -6711,7 +6928,7 @@
           <p:cNvPr id="9" name="Straight Arrow Connector 8">
             <a:extLst>
               <a:ext uri="{FF2B5EF4-FFF2-40B4-BE49-F238E27FC236}">
-                <a16:creationId xmlns:a16="http://schemas.microsoft.com/office/drawing/2014/main" xmlns="" id="{460DD9A3-0D24-4653-93EB-980628D20BCE}"/>
+                <a16:creationId xmlns="" xmlns:a16="http://schemas.microsoft.com/office/drawing/2014/main" id="{460DD9A3-0D24-4653-93EB-980628D20BCE}"/>
               </a:ext>
             </a:extLst>
           </p:cNvPr>
@@ -6753,7 +6970,7 @@
           <p:cNvPr id="12" name="Straight Arrow Connector 11">
             <a:extLst>
               <a:ext uri="{FF2B5EF4-FFF2-40B4-BE49-F238E27FC236}">
-                <a16:creationId xmlns:a16="http://schemas.microsoft.com/office/drawing/2014/main" xmlns="" id="{BC4BBE98-594B-4B8A-96FA-B1633E6CF660}"/>
+                <a16:creationId xmlns="" xmlns:a16="http://schemas.microsoft.com/office/drawing/2014/main" id="{BC4BBE98-594B-4B8A-96FA-B1633E6CF660}"/>
               </a:ext>
             </a:extLst>
           </p:cNvPr>
@@ -6795,7 +7012,7 @@
           <p:cNvPr id="15" name="Straight Arrow Connector 14">
             <a:extLst>
               <a:ext uri="{FF2B5EF4-FFF2-40B4-BE49-F238E27FC236}">
-                <a16:creationId xmlns:a16="http://schemas.microsoft.com/office/drawing/2014/main" xmlns="" id="{72A72D8A-6F0B-45CF-8311-E2826FFF0E03}"/>
+                <a16:creationId xmlns="" xmlns:a16="http://schemas.microsoft.com/office/drawing/2014/main" id="{72A72D8A-6F0B-45CF-8311-E2826FFF0E03}"/>
               </a:ext>
             </a:extLst>
           </p:cNvPr>
@@ -6837,7 +7054,7 @@
           <p:cNvPr id="17" name="Straight Arrow Connector 16">
             <a:extLst>
               <a:ext uri="{FF2B5EF4-FFF2-40B4-BE49-F238E27FC236}">
-                <a16:creationId xmlns:a16="http://schemas.microsoft.com/office/drawing/2014/main" xmlns="" id="{9E383FA0-8EFB-4D73-9AD1-AB8A19708D85}"/>
+                <a16:creationId xmlns="" xmlns:a16="http://schemas.microsoft.com/office/drawing/2014/main" id="{9E383FA0-8EFB-4D73-9AD1-AB8A19708D85}"/>
               </a:ext>
             </a:extLst>
           </p:cNvPr>
@@ -6879,7 +7096,7 @@
           <p:cNvPr id="19" name="Straight Arrow Connector 18">
             <a:extLst>
               <a:ext uri="{FF2B5EF4-FFF2-40B4-BE49-F238E27FC236}">
-                <a16:creationId xmlns:a16="http://schemas.microsoft.com/office/drawing/2014/main" xmlns="" id="{C75645E9-C0DA-49B9-908E-67141CD2669B}"/>
+                <a16:creationId xmlns="" xmlns:a16="http://schemas.microsoft.com/office/drawing/2014/main" id="{C75645E9-C0DA-49B9-908E-67141CD2669B}"/>
               </a:ext>
             </a:extLst>
           </p:cNvPr>
@@ -6948,13 +7165,7 @@
       </p:grpSpPr>
       <p:sp>
         <p:nvSpPr>
-          <p:cNvPr id="2" name="Title 1">
-            <a:extLst>
-              <a:ext uri="{FF2B5EF4-FFF2-40B4-BE49-F238E27FC236}">
-                <a16:creationId xmlns:a16="http://schemas.microsoft.com/office/drawing/2014/main" xmlns="" id="{8BB3CC86-783F-45C4-A4F3-1DE182899FFC}"/>
-              </a:ext>
-            </a:extLst>
-          </p:cNvPr>
+          <p:cNvPr id="2" name="Title 1"/>
           <p:cNvSpPr>
             <a:spLocks noGrp="1"/>
           </p:cNvSpPr>
@@ -6968,16 +7179,36 @@
           <a:lstStyle/>
           <a:p>
             <a:r>
-              <a:rPr lang="en-IN" dirty="0"/>
-              <a:t>User Interface</a:t>
-            </a:r>
+              <a:rPr lang="en-IN" dirty="0" smtClean="0"/>
+              <a:t>Some Code Snippets</a:t>
+            </a:r>
+            <a:endParaRPr lang="en-US" dirty="0"/>
+          </a:p>
+        </p:txBody>
+      </p:sp>
+      <p:sp>
+        <p:nvSpPr>
+          <p:cNvPr id="3" name="Subtitle 2"/>
+          <p:cNvSpPr>
+            <a:spLocks noGrp="1"/>
+          </p:cNvSpPr>
+          <p:nvPr>
+            <p:ph type="subTitle" idx="1"/>
+          </p:nvPr>
+        </p:nvSpPr>
+        <p:spPr/>
+        <p:txBody>
+          <a:bodyPr/>
+          <a:lstStyle/>
+          <a:p>
+            <a:endParaRPr lang="en-US" dirty="0"/>
           </a:p>
         </p:txBody>
       </p:sp>
     </p:spTree>
     <p:extLst>
       <p:ext uri="{BB962C8B-B14F-4D97-AF65-F5344CB8AC3E}">
-        <p14:creationId xmlns:p14="http://schemas.microsoft.com/office/powerpoint/2010/main" val="3608258685"/>
+        <p14:creationId xmlns:p14="http://schemas.microsoft.com/office/powerpoint/2010/main" val="220896235"/>
       </p:ext>
     </p:extLst>
   </p:cSld>
@@ -7006,16 +7237,8 @@
       </p:grpSpPr>
       <p:pic>
         <p:nvPicPr>
-          <p:cNvPr id="3" name="Picture 2">
-            <a:extLst>
-              <a:ext uri="{FF2B5EF4-FFF2-40B4-BE49-F238E27FC236}">
-                <a16:creationId xmlns:a16="http://schemas.microsoft.com/office/drawing/2014/main" xmlns="" id="{8EA62B22-E898-498B-AD29-C988042739C7}"/>
-              </a:ext>
-            </a:extLst>
-          </p:cNvPr>
-          <p:cNvPicPr>
-            <a:picLocks noChangeAspect="1"/>
-          </p:cNvPicPr>
+          <p:cNvPr id="2" name="Picture 1"/>
+          <p:cNvPicPr/>
           <p:nvPr/>
         </p:nvPicPr>
         <p:blipFill>
@@ -7026,8 +7249,8 @@
         </p:blipFill>
         <p:spPr>
           <a:xfrm>
-            <a:off x="1061694" y="911847"/>
-            <a:ext cx="10068612" cy="5034306"/>
+            <a:off x="885968" y="789438"/>
+            <a:ext cx="10441674" cy="5365702"/>
           </a:xfrm>
           <a:prstGeom prst="rect">
             <a:avLst/>
@@ -7037,7 +7260,7 @@
     </p:spTree>
     <p:extLst>
       <p:ext uri="{BB962C8B-B14F-4D97-AF65-F5344CB8AC3E}">
-        <p14:creationId xmlns:p14="http://schemas.microsoft.com/office/powerpoint/2010/main" val="3286443974"/>
+        <p14:creationId xmlns:p14="http://schemas.microsoft.com/office/powerpoint/2010/main" val="1070907806"/>
       </p:ext>
     </p:extLst>
   </p:cSld>
@@ -7066,16 +7289,8 @@
       </p:grpSpPr>
       <p:pic>
         <p:nvPicPr>
-          <p:cNvPr id="2" name="Picture 1">
-            <a:extLst>
-              <a:ext uri="{FF2B5EF4-FFF2-40B4-BE49-F238E27FC236}">
-                <a16:creationId xmlns:a16="http://schemas.microsoft.com/office/drawing/2014/main" xmlns="" id="{086546C8-FFDB-48F8-9962-1AFDA49BEABF}"/>
-              </a:ext>
-            </a:extLst>
-          </p:cNvPr>
-          <p:cNvPicPr>
-            <a:picLocks noChangeAspect="1"/>
-          </p:cNvPicPr>
+          <p:cNvPr id="2" name="Picture 1"/>
+          <p:cNvPicPr/>
           <p:nvPr/>
         </p:nvPicPr>
         <p:blipFill>
@@ -7086,54 +7301,18 @@
         </p:blipFill>
         <p:spPr>
           <a:xfrm>
-            <a:off x="961632" y="2891132"/>
-            <a:ext cx="10268736" cy="2534351"/>
+            <a:off x="1759424" y="717152"/>
+            <a:ext cx="8544635" cy="5437988"/>
           </a:xfrm>
           <a:prstGeom prst="rect">
             <a:avLst/>
           </a:prstGeom>
         </p:spPr>
       </p:pic>
-      <p:sp>
-        <p:nvSpPr>
-          <p:cNvPr id="3" name="TextBox 2">
-            <a:extLst>
-              <a:ext uri="{FF2B5EF4-FFF2-40B4-BE49-F238E27FC236}">
-                <a16:creationId xmlns:a16="http://schemas.microsoft.com/office/drawing/2014/main" xmlns="" id="{A11B73FC-1408-47E7-9D37-D26D52FDC673}"/>
-              </a:ext>
-            </a:extLst>
-          </p:cNvPr>
-          <p:cNvSpPr txBox="1"/>
-          <p:nvPr/>
-        </p:nvSpPr>
-        <p:spPr>
-          <a:xfrm>
-            <a:off x="3696879" y="1135928"/>
-            <a:ext cx="4798242" cy="954107"/>
-          </a:xfrm>
-          <a:prstGeom prst="rect">
-            <a:avLst/>
-          </a:prstGeom>
-          <a:noFill/>
-        </p:spPr>
-        <p:txBody>
-          <a:bodyPr wrap="square" rtlCol="0">
-            <a:spAutoFit/>
-          </a:bodyPr>
-          <a:lstStyle/>
-          <a:p>
-            <a:pPr algn="ctr"/>
-            <a:r>
-              <a:rPr lang="en-IN" sz="2800" b="1" dirty="0"/>
-              <a:t>Easy to view and understand competitor scores</a:t>
-            </a:r>
-          </a:p>
-        </p:txBody>
-      </p:sp>
     </p:spTree>
     <p:extLst>
       <p:ext uri="{BB962C8B-B14F-4D97-AF65-F5344CB8AC3E}">
-        <p14:creationId xmlns:p14="http://schemas.microsoft.com/office/powerpoint/2010/main" val="4230991742"/>
+        <p14:creationId xmlns:p14="http://schemas.microsoft.com/office/powerpoint/2010/main" val="3125414949"/>
       </p:ext>
     </p:extLst>
   </p:cSld>
@@ -7165,7 +7344,7 @@
           <p:cNvPr id="2" name="Title 1">
             <a:extLst>
               <a:ext uri="{FF2B5EF4-FFF2-40B4-BE49-F238E27FC236}">
-                <a16:creationId xmlns:a16="http://schemas.microsoft.com/office/drawing/2014/main" xmlns="" id="{664B87FB-2A48-4641-8278-401F41A884AE}"/>
+                <a16:creationId xmlns="" xmlns:a16="http://schemas.microsoft.com/office/drawing/2014/main" id="{8BB3CC86-783F-45C4-A4F3-1DE182899FFC}"/>
               </a:ext>
             </a:extLst>
           </p:cNvPr>
@@ -7183,7 +7362,7 @@
           <a:p>
             <a:r>
               <a:rPr lang="en-IN" dirty="0"/>
-              <a:t>Future Scope</a:t>
+              <a:t>User Interface</a:t>
             </a:r>
           </a:p>
         </p:txBody>
@@ -7191,7 +7370,7 @@
     </p:spTree>
     <p:extLst>
       <p:ext uri="{BB962C8B-B14F-4D97-AF65-F5344CB8AC3E}">
-        <p14:creationId xmlns:p14="http://schemas.microsoft.com/office/powerpoint/2010/main" val="4076715106"/>
+        <p14:creationId xmlns:p14="http://schemas.microsoft.com/office/powerpoint/2010/main" val="3608258685"/>
       </p:ext>
     </p:extLst>
   </p:cSld>
